--- a/基础PPT/JavaSE进阶第三版/第3章：Java日期处理.pptx
+++ b/基础PPT/JavaSE进阶第三版/第3章：Java日期处理.pptx
@@ -11416,7 +11416,7 @@
               <a:t>固定的时间点叫纪元（epoch），是UTC时间</a:t>
             </a:r>
             <a:r>
-              <a:rPr lang="en-US" altLang="zh-CN" sz="1600">
+              <a:rPr lang="en-US" altLang="zh-CN" sz="1600" b="1">
                 <a:solidFill>
                   <a:srgbClr val="FF0000"/>
                 </a:solidFill>
@@ -11427,7 +11427,7 @@
               <a:t>1970年 1月 1日 00:00:00 </a:t>
             </a:r>
             <a:r>
-              <a:rPr lang="zh-CN" altLang="en-US" sz="1600">
+              <a:rPr lang="zh-CN" altLang="en-US" sz="1600" b="1">
                 <a:solidFill>
                   <a:srgbClr val="FF0000"/>
                 </a:solidFill>
